--- a/AC1.pptx
+++ b/AC1.pptx
@@ -327,7 +327,7 @@
           <a:p>
             <a:fld id="{D7EA05B0-185D-4399-AB56-A1EE074D0CAB}" type="datetimeFigureOut">
               <a:rPr lang="pt-BR" smtClean="0"/>
-              <a:t>01/03/2022</a:t>
+              <a:t>17/04/2022</a:t>
             </a:fld>
             <a:endParaRPr lang="pt-BR"/>
           </a:p>
@@ -514,7 +514,7 @@
           <a:p>
             <a:fld id="{D7EA05B0-185D-4399-AB56-A1EE074D0CAB}" type="datetimeFigureOut">
               <a:rPr lang="pt-BR" smtClean="0"/>
-              <a:t>01/03/2022</a:t>
+              <a:t>17/04/2022</a:t>
             </a:fld>
             <a:endParaRPr lang="pt-BR"/>
           </a:p>
@@ -689,7 +689,7 @@
           <a:p>
             <a:fld id="{D7EA05B0-185D-4399-AB56-A1EE074D0CAB}" type="datetimeFigureOut">
               <a:rPr lang="pt-BR" smtClean="0"/>
-              <a:t>01/03/2022</a:t>
+              <a:t>17/04/2022</a:t>
             </a:fld>
             <a:endParaRPr lang="pt-BR"/>
           </a:p>
@@ -869,7 +869,7 @@
           <a:p>
             <a:fld id="{D7EA05B0-185D-4399-AB56-A1EE074D0CAB}" type="datetimeFigureOut">
               <a:rPr lang="pt-BR" smtClean="0"/>
-              <a:t>01/03/2022</a:t>
+              <a:t>17/04/2022</a:t>
             </a:fld>
             <a:endParaRPr lang="pt-BR"/>
           </a:p>
@@ -1116,7 +1116,7 @@
           <a:p>
             <a:fld id="{D7EA05B0-185D-4399-AB56-A1EE074D0CAB}" type="datetimeFigureOut">
               <a:rPr lang="pt-BR" smtClean="0"/>
-              <a:t>01/03/2022</a:t>
+              <a:t>17/04/2022</a:t>
             </a:fld>
             <a:endParaRPr lang="pt-BR"/>
           </a:p>
@@ -1590,7 +1590,7 @@
           <a:p>
             <a:fld id="{D7EA05B0-185D-4399-AB56-A1EE074D0CAB}" type="datetimeFigureOut">
               <a:rPr lang="pt-BR" smtClean="0"/>
-              <a:t>01/03/2022</a:t>
+              <a:t>17/04/2022</a:t>
             </a:fld>
             <a:endParaRPr lang="pt-BR"/>
           </a:p>
@@ -2005,7 +2005,7 @@
           <a:p>
             <a:fld id="{D7EA05B0-185D-4399-AB56-A1EE074D0CAB}" type="datetimeFigureOut">
               <a:rPr lang="pt-BR" smtClean="0"/>
-              <a:t>01/03/2022</a:t>
+              <a:t>17/04/2022</a:t>
             </a:fld>
             <a:endParaRPr lang="pt-BR"/>
           </a:p>
@@ -2136,7 +2136,7 @@
           <a:p>
             <a:fld id="{D7EA05B0-185D-4399-AB56-A1EE074D0CAB}" type="datetimeFigureOut">
               <a:rPr lang="pt-BR" smtClean="0"/>
-              <a:t>01/03/2022</a:t>
+              <a:t>17/04/2022</a:t>
             </a:fld>
             <a:endParaRPr lang="pt-BR"/>
           </a:p>
@@ -2231,7 +2231,7 @@
           <a:p>
             <a:fld id="{D7EA05B0-185D-4399-AB56-A1EE074D0CAB}" type="datetimeFigureOut">
               <a:rPr lang="pt-BR" smtClean="0"/>
-              <a:t>01/03/2022</a:t>
+              <a:t>17/04/2022</a:t>
             </a:fld>
             <a:endParaRPr lang="pt-BR"/>
           </a:p>
@@ -2509,7 +2509,7 @@
           <a:p>
             <a:fld id="{D7EA05B0-185D-4399-AB56-A1EE074D0CAB}" type="datetimeFigureOut">
               <a:rPr lang="pt-BR" smtClean="0"/>
-              <a:t>01/03/2022</a:t>
+              <a:t>17/04/2022</a:t>
             </a:fld>
             <a:endParaRPr lang="pt-BR"/>
           </a:p>
@@ -2761,7 +2761,7 @@
           <a:p>
             <a:fld id="{D7EA05B0-185D-4399-AB56-A1EE074D0CAB}" type="datetimeFigureOut">
               <a:rPr lang="pt-BR" smtClean="0"/>
-              <a:t>01/03/2022</a:t>
+              <a:t>17/04/2022</a:t>
             </a:fld>
             <a:endParaRPr lang="pt-BR"/>
           </a:p>
@@ -3133,7 +3133,7 @@
           <a:p>
             <a:fld id="{D7EA05B0-185D-4399-AB56-A1EE074D0CAB}" type="datetimeFigureOut">
               <a:rPr lang="pt-BR" smtClean="0"/>
-              <a:t>01/03/2022</a:t>
+              <a:t>17/04/2022</a:t>
             </a:fld>
             <a:endParaRPr lang="pt-BR"/>
           </a:p>
@@ -3645,14 +3645,14 @@
           </a:p>
           <a:p>
             <a:r>
-              <a:rPr lang="pt-BR" sz="2000" dirty="0" err="1">
+              <a:rPr lang="pt-BR" sz="2000" dirty="0" smtClean="0">
                 <a:solidFill>
                   <a:schemeClr val="tx1"/>
                 </a:solidFill>
                 <a:latin typeface="Arial" panose="020B0604020202020204" pitchFamily="34" charset="0"/>
                 <a:cs typeface="Arial" panose="020B0604020202020204" pitchFamily="34" charset="0"/>
               </a:rPr>
-              <a:t>Caique</a:t>
+              <a:t>Daniel </a:t>
             </a:r>
             <a:r>
               <a:rPr lang="pt-BR" sz="2000" dirty="0">
@@ -3662,17 +3662,58 @@
                 <a:latin typeface="Arial" panose="020B0604020202020204" pitchFamily="34" charset="0"/>
                 <a:cs typeface="Arial" panose="020B0604020202020204" pitchFamily="34" charset="0"/>
               </a:rPr>
-              <a:t> Braga de </a:t>
-            </a:r>
-            <a:r>
-              <a:rPr lang="pt-BR" sz="2000" dirty="0" err="1">
+              <a:t>Torres de Almeida	</a:t>
+            </a:r>
+            <a:r>
+              <a:rPr lang="pt-BR" sz="2000" dirty="0" smtClean="0">
                 <a:solidFill>
                   <a:schemeClr val="tx1"/>
                 </a:solidFill>
                 <a:latin typeface="Arial" panose="020B0604020202020204" pitchFamily="34" charset="0"/>
                 <a:cs typeface="Arial" panose="020B0604020202020204" pitchFamily="34" charset="0"/>
               </a:rPr>
-              <a:t>Araujo</a:t>
+              <a:t>2100058</a:t>
+            </a:r>
+          </a:p>
+          <a:p>
+            <a:r>
+              <a:rPr lang="pt-BR" sz="2000" dirty="0" smtClean="0">
+                <a:solidFill>
+                  <a:schemeClr val="tx1"/>
+                </a:solidFill>
+                <a:latin typeface="Arial" panose="020B0604020202020204" pitchFamily="34" charset="0"/>
+                <a:cs typeface="Arial" panose="020B0604020202020204" pitchFamily="34" charset="0"/>
+              </a:rPr>
+              <a:t>Gustavo Lopes Rocha	</a:t>
+            </a:r>
+            <a:r>
+              <a:rPr lang="pt-BR" sz="2000" smtClean="0">
+                <a:solidFill>
+                  <a:schemeClr val="tx1"/>
+                </a:solidFill>
+                <a:latin typeface="Arial" panose="020B0604020202020204" pitchFamily="34" charset="0"/>
+                <a:cs typeface="Arial" panose="020B0604020202020204" pitchFamily="34" charset="0"/>
+              </a:rPr>
+              <a:t>	2101479</a:t>
+            </a:r>
+            <a:endParaRPr lang="pt-BR" sz="2000" dirty="0" smtClean="0">
+              <a:solidFill>
+                <a:schemeClr val="tx1"/>
+              </a:solidFill>
+              <a:latin typeface="Arial" panose="020B0604020202020204" pitchFamily="34" charset="0"/>
+              <a:cs typeface="Arial" panose="020B0604020202020204" pitchFamily="34" charset="0"/>
+            </a:endParaRPr>
+          </a:p>
+          <a:p>
+            <a:r>
+              <a:rPr lang="pt-BR" sz="2000" dirty="0" smtClean="0">
+                <a:solidFill>
+                  <a:schemeClr val="tx1"/>
+                </a:solidFill>
+                <a:latin typeface="Arial" panose="020B0604020202020204" pitchFamily="34" charset="0"/>
+                <a:cs typeface="Arial" panose="020B0604020202020204" pitchFamily="34" charset="0"/>
+              </a:rPr>
+              <a:t>Jessica </a:t>
             </a:r>
             <a:r>
               <a:rPr lang="pt-BR" sz="2000" dirty="0">
@@ -3682,31 +3723,7 @@
                 <a:latin typeface="Arial" panose="020B0604020202020204" pitchFamily="34" charset="0"/>
                 <a:cs typeface="Arial" panose="020B0604020202020204" pitchFamily="34" charset="0"/>
               </a:rPr>
-              <a:t>		2100478</a:t>
-            </a:r>
-          </a:p>
-          <a:p>
-            <a:r>
-              <a:rPr lang="pt-BR" sz="2000" dirty="0">
-                <a:solidFill>
-                  <a:schemeClr val="tx1"/>
-                </a:solidFill>
-                <a:latin typeface="Arial" panose="020B0604020202020204" pitchFamily="34" charset="0"/>
-                <a:cs typeface="Arial" panose="020B0604020202020204" pitchFamily="34" charset="0"/>
-              </a:rPr>
-              <a:t>Daniel Torres de Almeida	2100058</a:t>
-            </a:r>
-          </a:p>
-          <a:p>
-            <a:r>
-              <a:rPr lang="pt-BR" sz="2000" dirty="0">
-                <a:solidFill>
-                  <a:schemeClr val="tx1"/>
-                </a:solidFill>
-                <a:latin typeface="Arial" panose="020B0604020202020204" pitchFamily="34" charset="0"/>
-                <a:cs typeface="Arial" panose="020B0604020202020204" pitchFamily="34" charset="0"/>
-              </a:rPr>
-              <a:t>Jessica Felizardo </a:t>
+              <a:t>Felizardo </a:t>
             </a:r>
             <a:r>
               <a:rPr lang="pt-BR" sz="2000" dirty="0" err="1">
@@ -3856,21 +3873,56 @@
                 <a:latin typeface="Arial" panose="020B0604020202020204" pitchFamily="34" charset="0"/>
                 <a:cs typeface="Arial" panose="020B0604020202020204" pitchFamily="34" charset="0"/>
               </a:rPr>
-              <a:t>Ao logar. no site utilizando seu usuário e senha cadastrados, ele será direcionado para a tela </a:t>
+              <a:t>Ao </a:t>
             </a:r>
             <a:r>
               <a:rPr lang="pt-BR" sz="2000" dirty="0" err="1" smtClean="0">
                 <a:latin typeface="Arial" panose="020B0604020202020204" pitchFamily="34" charset="0"/>
                 <a:cs typeface="Arial" panose="020B0604020202020204" pitchFamily="34" charset="0"/>
               </a:rPr>
-              <a:t>tela</a:t>
+              <a:t>logar</a:t>
             </a:r>
             <a:r>
               <a:rPr lang="pt-BR" sz="2000" dirty="0" smtClean="0">
                 <a:latin typeface="Arial" panose="020B0604020202020204" pitchFamily="34" charset="0"/>
                 <a:cs typeface="Arial" panose="020B0604020202020204" pitchFamily="34" charset="0"/>
               </a:rPr>
-              <a:t> inicial (home), onde será apresentado as opções: Meus lances (onde o usuário poderá consultar os lances e compras que ele já realizou); Leilões ao vivo (mostrará os leilões que estarão acontecendo naquele momento); Leilões futuros (que aparecerão os leilões mais próximos, ordenação de data) e terá um botão de </a:t>
+              <a:t> </a:t>
+            </a:r>
+            <a:r>
+              <a:rPr lang="pt-BR" sz="2000" dirty="0" smtClean="0">
+                <a:latin typeface="Arial" panose="020B0604020202020204" pitchFamily="34" charset="0"/>
+                <a:cs typeface="Arial" panose="020B0604020202020204" pitchFamily="34" charset="0"/>
+              </a:rPr>
+              <a:t>no site utilizando seu usuário e senha cadastrados, ele será direcionado para </a:t>
+            </a:r>
+            <a:r>
+              <a:rPr lang="pt-BR" sz="2000" dirty="0" smtClean="0">
+                <a:latin typeface="Arial" panose="020B0604020202020204" pitchFamily="34" charset="0"/>
+                <a:cs typeface="Arial" panose="020B0604020202020204" pitchFamily="34" charset="0"/>
+              </a:rPr>
+              <a:t>a tela de usuário </a:t>
+            </a:r>
+            <a:r>
+              <a:rPr lang="pt-BR" sz="2000" dirty="0" err="1" smtClean="0">
+                <a:latin typeface="Arial" panose="020B0604020202020204" pitchFamily="34" charset="0"/>
+                <a:cs typeface="Arial" panose="020B0604020202020204" pitchFamily="34" charset="0"/>
+              </a:rPr>
+              <a:t>logado</a:t>
+            </a:r>
+            <a:r>
+              <a:rPr lang="pt-BR" sz="2000" dirty="0" smtClean="0">
+                <a:latin typeface="Arial" panose="020B0604020202020204" pitchFamily="34" charset="0"/>
+                <a:cs typeface="Arial" panose="020B0604020202020204" pitchFamily="34" charset="0"/>
+              </a:rPr>
+              <a:t>, </a:t>
+            </a:r>
+            <a:r>
+              <a:rPr lang="pt-BR" sz="2000" dirty="0" smtClean="0">
+                <a:latin typeface="Arial" panose="020B0604020202020204" pitchFamily="34" charset="0"/>
+                <a:cs typeface="Arial" panose="020B0604020202020204" pitchFamily="34" charset="0"/>
+              </a:rPr>
+              <a:t>onde será apresentado as opções: Meus lances (onde o usuário poderá consultar os lances e compras que ele já realizou); Leilões ao vivo (mostrará os leilões que estarão acontecendo naquele momento); Leilões futuros (que aparecerão os leilões mais próximos, ordenação de data) e terá um botão de </a:t>
             </a:r>
             <a:r>
               <a:rPr lang="pt-BR" sz="2000" dirty="0" err="1" smtClean="0">
